--- a/URECA_Poster_v4.pptx
+++ b/URECA_Poster_v4.pptx
@@ -350,7 +350,7 @@
               <a:pPr>
                 <a:defRPr/>
               </a:pPr>
-              <a:t>17/3/2023</a:t>
+              <a:t>11/4/2023</a:t>
             </a:fld>
             <a:endParaRPr lang="en-SG"/>
           </a:p>
@@ -565,7 +565,7 @@
               <a:pPr>
                 <a:defRPr/>
               </a:pPr>
-              <a:t>17/3/2023</a:t>
+              <a:t>11/4/2023</a:t>
             </a:fld>
             <a:endParaRPr lang="en-SG"/>
           </a:p>
@@ -790,7 +790,7 @@
               <a:pPr>
                 <a:defRPr/>
               </a:pPr>
-              <a:t>17/3/2023</a:t>
+              <a:t>11/4/2023</a:t>
             </a:fld>
             <a:endParaRPr lang="en-SG"/>
           </a:p>
@@ -1005,7 +1005,7 @@
               <a:pPr>
                 <a:defRPr/>
               </a:pPr>
-              <a:t>17/3/2023</a:t>
+              <a:t>11/4/2023</a:t>
             </a:fld>
             <a:endParaRPr lang="en-SG"/>
           </a:p>
@@ -1296,7 +1296,7 @@
               <a:pPr>
                 <a:defRPr/>
               </a:pPr>
-              <a:t>17/3/2023</a:t>
+              <a:t>11/4/2023</a:t>
             </a:fld>
             <a:endParaRPr lang="en-SG"/>
           </a:p>
@@ -1629,7 +1629,7 @@
               <a:pPr>
                 <a:defRPr/>
               </a:pPr>
-              <a:t>17/3/2023</a:t>
+              <a:t>11/4/2023</a:t>
             </a:fld>
             <a:endParaRPr lang="en-SG"/>
           </a:p>
@@ -2096,7 +2096,7 @@
               <a:pPr>
                 <a:defRPr/>
               </a:pPr>
-              <a:t>17/3/2023</a:t>
+              <a:t>11/4/2023</a:t>
             </a:fld>
             <a:endParaRPr lang="en-SG"/>
           </a:p>
@@ -2259,7 +2259,7 @@
               <a:pPr>
                 <a:defRPr/>
               </a:pPr>
-              <a:t>17/3/2023</a:t>
+              <a:t>11/4/2023</a:t>
             </a:fld>
             <a:endParaRPr lang="en-SG"/>
           </a:p>
@@ -2399,7 +2399,7 @@
               <a:pPr>
                 <a:defRPr/>
               </a:pPr>
-              <a:t>17/3/2023</a:t>
+              <a:t>11/4/2023</a:t>
             </a:fld>
             <a:endParaRPr lang="en-SG"/>
           </a:p>
@@ -2721,7 +2721,7 @@
               <a:pPr>
                 <a:defRPr/>
               </a:pPr>
-              <a:t>17/3/2023</a:t>
+              <a:t>11/4/2023</a:t>
             </a:fld>
             <a:endParaRPr lang="en-SG"/>
           </a:p>
@@ -3022,7 +3022,7 @@
               <a:pPr>
                 <a:defRPr/>
               </a:pPr>
-              <a:t>17/3/2023</a:t>
+              <a:t>11/4/2023</a:t>
             </a:fld>
             <a:endParaRPr lang="en-SG"/>
           </a:p>
@@ -3349,7 +3349,7 @@
               <a:pPr>
                 <a:defRPr/>
               </a:pPr>
-              <a:t>17/3/2023</a:t>
+              <a:t>11/4/2023</a:t>
             </a:fld>
             <a:endParaRPr lang="en-SG"/>
           </a:p>
@@ -3883,130 +3883,138 @@
           <a:chExt cx="0" cy="0"/>
         </a:xfrm>
       </p:grpSpPr>
-      <p:grpSp>
-        <p:nvGrpSpPr>
-          <p:cNvPr id="77" name="Group 76">
-            <a:extLst>
-              <a:ext uri="{FF2B5EF4-FFF2-40B4-BE49-F238E27FC236}">
-                <a16:creationId xmlns:a16="http://schemas.microsoft.com/office/drawing/2014/main" id="{782C842C-C9CE-03C8-45E7-EF70D138A68D}"/>
-              </a:ext>
-            </a:extLst>
-          </p:cNvPr>
-          <p:cNvGrpSpPr/>
+      <p:pic>
+        <p:nvPicPr>
+          <p:cNvPr id="38" name="Picture 37">
+            <a:extLst>
+              <a:ext uri="{FF2B5EF4-FFF2-40B4-BE49-F238E27FC236}">
+                <a16:creationId xmlns:a16="http://schemas.microsoft.com/office/drawing/2014/main" id="{D89FCAC5-428A-B35F-5C56-FF3E955D33EC}"/>
+              </a:ext>
+            </a:extLst>
+          </p:cNvPr>
+          <p:cNvPicPr>
+            <a:picLocks noChangeAspect="1"/>
+          </p:cNvPicPr>
           <p:nvPr/>
-        </p:nvGrpSpPr>
-        <p:grpSpPr>
+        </p:nvPicPr>
+        <p:blipFill rotWithShape="1">
+          <a:blip r:embed="rId2"/>
+          <a:srcRect r="53735" b="40840"/>
+          <a:stretch/>
+        </p:blipFill>
+        <p:spPr>
           <a:xfrm>
-            <a:off x="10909424" y="12485528"/>
-            <a:ext cx="5472608" cy="3406258"/>
-            <a:chOff x="10909424" y="12485528"/>
-            <a:chExt cx="5472608" cy="3406258"/>
+            <a:off x="10741117" y="16519190"/>
+            <a:ext cx="5690283" cy="2780659"/>
           </a:xfrm>
-        </p:grpSpPr>
-        <p:pic>
-          <p:nvPicPr>
-            <p:cNvPr id="76" name="Picture 75">
-              <a:extLst>
-                <a:ext uri="{FF2B5EF4-FFF2-40B4-BE49-F238E27FC236}">
-                  <a16:creationId xmlns:a16="http://schemas.microsoft.com/office/drawing/2014/main" id="{5B26EAA4-2C1E-DA71-A111-5C405852F671}"/>
-                </a:ext>
-              </a:extLst>
-            </p:cNvPr>
-            <p:cNvPicPr>
-              <a:picLocks noChangeAspect="1"/>
-            </p:cNvPicPr>
-            <p:nvPr/>
-          </p:nvPicPr>
-          <p:blipFill rotWithShape="1">
-            <a:blip r:embed="rId2"/>
-            <a:srcRect r="49448" b="24505"/>
-            <a:stretch/>
-          </p:blipFill>
-          <p:spPr>
-            <a:xfrm>
-              <a:off x="10909424" y="12485528"/>
-              <a:ext cx="5453738" cy="2819515"/>
-            </a:xfrm>
-            <a:prstGeom prst="rect">
+          <a:prstGeom prst="rect">
+            <a:avLst/>
+          </a:prstGeom>
+        </p:spPr>
+      </p:pic>
+      <p:pic>
+        <p:nvPicPr>
+          <p:cNvPr id="36" name="Picture 35">
+            <a:extLst>
+              <a:ext uri="{FF2B5EF4-FFF2-40B4-BE49-F238E27FC236}">
+                <a16:creationId xmlns:a16="http://schemas.microsoft.com/office/drawing/2014/main" id="{EF8D9E67-15A7-AF9D-C416-A2E65860F391}"/>
+              </a:ext>
+            </a:extLst>
+          </p:cNvPr>
+          <p:cNvPicPr>
+            <a:picLocks noChangeAspect="1"/>
+          </p:cNvPicPr>
+          <p:nvPr/>
+        </p:nvPicPr>
+        <p:blipFill rotWithShape="1">
+          <a:blip r:embed="rId3"/>
+          <a:srcRect l="52540" b="41108"/>
+          <a:stretch/>
+        </p:blipFill>
+        <p:spPr>
+          <a:xfrm>
+            <a:off x="10709626" y="12379622"/>
+            <a:ext cx="5690288" cy="2730419"/>
+          </a:xfrm>
+          <a:prstGeom prst="rect">
+            <a:avLst/>
+          </a:prstGeom>
+        </p:spPr>
+      </p:pic>
+      <p:sp>
+        <p:nvSpPr>
+          <p:cNvPr id="3162" name="Text Box 36">
+            <a:extLst>
+              <a:ext uri="{FF2B5EF4-FFF2-40B4-BE49-F238E27FC236}">
+                <a16:creationId xmlns:a16="http://schemas.microsoft.com/office/drawing/2014/main" id="{7AE0561C-4450-5FCA-DCD1-1CB09522F4AD}"/>
+              </a:ext>
+            </a:extLst>
+          </p:cNvPr>
+          <p:cNvSpPr txBox="1"/>
+          <p:nvPr/>
+        </p:nvSpPr>
+        <p:spPr>
+          <a:xfrm>
+            <a:off x="11129263" y="15110042"/>
+            <a:ext cx="5252769" cy="781744"/>
+          </a:xfrm>
+          <a:prstGeom prst="rect">
+            <a:avLst/>
+          </a:prstGeom>
+          <a:noFill/>
+          <a:ln w="6350">
+            <a:noFill/>
+          </a:ln>
+        </p:spPr>
+        <p:txBody>
+          <a:bodyPr rot="0" spcFirstLastPara="0" vert="horz" wrap="square" lIns="91440" tIns="45720" rIns="91440" bIns="45720" numCol="1" spcCol="0" rtlCol="0" fromWordArt="0" anchor="t" anchorCtr="0" forceAA="0" compatLnSpc="1">
+            <a:prstTxWarp prst="textNoShape">
               <a:avLst/>
-            </a:prstGeom>
-          </p:spPr>
-        </p:pic>
-        <p:sp>
-          <p:nvSpPr>
-            <p:cNvPr id="3162" name="Text Box 36">
-              <a:extLst>
-                <a:ext uri="{FF2B5EF4-FFF2-40B4-BE49-F238E27FC236}">
-                  <a16:creationId xmlns:a16="http://schemas.microsoft.com/office/drawing/2014/main" id="{7AE0561C-4450-5FCA-DCD1-1CB09522F4AD}"/>
-                </a:ext>
-              </a:extLst>
-            </p:cNvPr>
-            <p:cNvSpPr txBox="1"/>
-            <p:nvPr/>
-          </p:nvSpPr>
-          <p:spPr>
-            <a:xfrm>
-              <a:off x="11129263" y="15110042"/>
-              <a:ext cx="5252769" cy="781744"/>
-            </a:xfrm>
-            <a:prstGeom prst="rect">
-              <a:avLst/>
-            </a:prstGeom>
-            <a:noFill/>
-            <a:ln w="6350">
-              <a:noFill/>
-            </a:ln>
-          </p:spPr>
-          <p:txBody>
-            <a:bodyPr rot="0" spcFirstLastPara="0" vert="horz" wrap="square" lIns="91440" tIns="45720" rIns="91440" bIns="45720" numCol="1" spcCol="0" rtlCol="0" fromWordArt="0" anchor="t" anchorCtr="0" forceAA="0" compatLnSpc="1">
-              <a:prstTxWarp prst="textNoShape">
-                <a:avLst/>
-              </a:prstTxWarp>
-              <a:noAutofit/>
-            </a:bodyPr>
-            <a:lstStyle/>
-            <a:p>
-              <a:pPr>
-                <a:lnSpc>
-                  <a:spcPct val="107000"/>
-                </a:lnSpc>
-                <a:spcAft>
-                  <a:spcPts val="800"/>
-                </a:spcAft>
-              </a:pPr>
-              <a:r>
-                <a:rPr lang="en-MY" sz="2000" dirty="0">
-                  <a:latin typeface="Arial" panose="020B0604020202020204" pitchFamily="34" charset="0"/>
-                  <a:ea typeface="DengXian" panose="02010600030101010101" pitchFamily="2" charset="-122"/>
-                  <a:cs typeface="Arial" panose="020B0604020202020204" pitchFamily="34" charset="0"/>
-                </a:rPr>
-                <a:t>Figure 1. Visualization of 3D reconstruction</a:t>
-              </a:r>
-              <a:br>
-                <a:rPr lang="en-MY" sz="2000" dirty="0">
-                  <a:latin typeface="Arial" panose="020B0604020202020204" pitchFamily="34" charset="0"/>
-                  <a:ea typeface="DengXian" panose="02010600030101010101" pitchFamily="2" charset="-122"/>
-                  <a:cs typeface="Arial" panose="020B0604020202020204" pitchFamily="34" charset="0"/>
-                </a:rPr>
-              </a:br>
-              <a:r>
-                <a:rPr lang="en-MY" sz="2000" dirty="0">
-                  <a:latin typeface="Arial" panose="020B0604020202020204" pitchFamily="34" charset="0"/>
-                  <a:ea typeface="DengXian" panose="02010600030101010101" pitchFamily="2" charset="-122"/>
-                  <a:cs typeface="Arial" panose="020B0604020202020204" pitchFamily="34" charset="0"/>
-                </a:rPr>
-                <a:t>               at the load of 50N</a:t>
-              </a:r>
-              <a:endParaRPr lang="en-US" sz="2000" dirty="0">
-                <a:effectLst/>
+            </a:prstTxWarp>
+            <a:noAutofit/>
+          </a:bodyPr>
+          <a:lstStyle/>
+          <a:p>
+            <a:pPr>
+              <a:lnSpc>
+                <a:spcPct val="107000"/>
+              </a:lnSpc>
+              <a:spcAft>
+                <a:spcPts val="800"/>
+              </a:spcAft>
+            </a:pPr>
+            <a:r>
+              <a:rPr lang="en-MY" sz="2000" dirty="0">
                 <a:latin typeface="Arial" panose="020B0604020202020204" pitchFamily="34" charset="0"/>
                 <a:ea typeface="DengXian" panose="02010600030101010101" pitchFamily="2" charset="-122"/>
                 <a:cs typeface="Arial" panose="020B0604020202020204" pitchFamily="34" charset="0"/>
-              </a:endParaRPr>
-            </a:p>
-          </p:txBody>
-        </p:sp>
-      </p:grpSp>
+              </a:rPr>
+              <a:t>Figure 1. Visualization of 3D reconstruction</a:t>
+            </a:r>
+            <a:br>
+              <a:rPr lang="en-MY" sz="2000" dirty="0">
+                <a:latin typeface="Arial" panose="020B0604020202020204" pitchFamily="34" charset="0"/>
+                <a:ea typeface="DengXian" panose="02010600030101010101" pitchFamily="2" charset="-122"/>
+                <a:cs typeface="Arial" panose="020B0604020202020204" pitchFamily="34" charset="0"/>
+              </a:rPr>
+            </a:br>
+            <a:r>
+              <a:rPr lang="en-MY" sz="2000" dirty="0">
+                <a:latin typeface="Arial" panose="020B0604020202020204" pitchFamily="34" charset="0"/>
+                <a:ea typeface="DengXian" panose="02010600030101010101" pitchFamily="2" charset="-122"/>
+                <a:cs typeface="Arial" panose="020B0604020202020204" pitchFamily="34" charset="0"/>
+              </a:rPr>
+              <a:t>               at the load of 160N</a:t>
+            </a:r>
+            <a:endParaRPr lang="en-US" sz="2000" dirty="0">
+              <a:effectLst/>
+              <a:latin typeface="Arial" panose="020B0604020202020204" pitchFamily="34" charset="0"/>
+              <a:ea typeface="DengXian" panose="02010600030101010101" pitchFamily="2" charset="-122"/>
+              <a:cs typeface="Arial" panose="020B0604020202020204" pitchFamily="34" charset="0"/>
+            </a:endParaRPr>
+          </a:p>
+        </p:txBody>
+      </p:sp>
       <p:sp>
         <p:nvSpPr>
           <p:cNvPr id="3164" name="Oval 3163">
@@ -4021,7 +4029,7 @@
         </p:nvSpPr>
         <p:spPr>
           <a:xfrm>
-            <a:off x="10821109" y="12998825"/>
+            <a:off x="10706089" y="12929208"/>
             <a:ext cx="2282830" cy="268081"/>
           </a:xfrm>
           <a:prstGeom prst="ellipse">
@@ -4731,7 +4739,7 @@
                 <a:latin typeface="Arial" panose="020B0604020202020204" pitchFamily="34" charset="0"/>
                 <a:cs typeface="Arial" panose="020B0604020202020204" pitchFamily="34" charset="0"/>
               </a:rPr>
-              <a:t>Visual AI-Enabled Ergonomic Risk Assessment </a:t>
+              <a:t>CEE22022 - Vision-Based Ergonomic Risk Assessment </a:t>
             </a:r>
           </a:p>
         </p:txBody>
@@ -4973,7 +4981,7 @@
           <p:nvPr/>
         </p:nvPicPr>
         <p:blipFill>
-          <a:blip r:embed="rId3">
+          <a:blip r:embed="rId4">
             <a:extLst>
               <a:ext uri="{28A0092B-C50C-407E-A947-70E740481C1C}">
                 <a14:useLocalDpi xmlns:a14="http://schemas.microsoft.com/office/drawing/2010/main" val="0"/>
@@ -5222,10 +5230,10 @@
           <p:nvPr/>
         </p:nvPicPr>
         <p:blipFill>
-          <a:blip r:embed="rId4">
+          <a:blip r:embed="rId5">
             <a:extLst>
               <a:ext uri="{837473B0-CC2E-450A-ABE3-18F120FF3D39}">
-                <a1611:picAttrSrcUrl xmlns:a1611="http://schemas.microsoft.com/office/drawing/2016/11/main" r:id="rId5"/>
+                <a1611:picAttrSrcUrl xmlns:a1611="http://schemas.microsoft.com/office/drawing/2016/11/main" r:id="rId6"/>
               </a:ext>
             </a:extLst>
           </a:blip>
@@ -6788,10 +6796,10 @@
           <p:nvPr/>
         </p:nvPicPr>
         <p:blipFill>
-          <a:blip r:embed="rId6">
+          <a:blip r:embed="rId7">
             <a:extLst>
               <a:ext uri="{837473B0-CC2E-450A-ABE3-18F120FF3D39}">
-                <a1611:picAttrSrcUrl xmlns:a1611="http://schemas.microsoft.com/office/drawing/2016/11/main" r:id="rId7"/>
+                <a1611:picAttrSrcUrl xmlns:a1611="http://schemas.microsoft.com/office/drawing/2016/11/main" r:id="rId8"/>
               </a:ext>
             </a:extLst>
           </a:blip>
@@ -7889,7 +7897,7 @@
             <p:nvPr/>
           </p:nvPicPr>
           <p:blipFill rotWithShape="1">
-            <a:blip r:embed="rId8">
+            <a:blip r:embed="rId9">
               <a:extLst>
                 <a:ext uri="{28A0092B-C50C-407E-A947-70E740481C1C}">
                   <a14:useLocalDpi xmlns:a14="http://schemas.microsoft.com/office/drawing/2010/main" val="0"/>
@@ -8065,13 +8073,13 @@
             <p:nvPr/>
           </p:nvPicPr>
           <p:blipFill>
-            <a:blip r:embed="rId9">
+            <a:blip r:embed="rId10">
               <a:extLst>
                 <a:ext uri="{28A0092B-C50C-407E-A947-70E740481C1C}">
                   <a14:useLocalDpi xmlns:a14="http://schemas.microsoft.com/office/drawing/2010/main" val="0"/>
                 </a:ext>
                 <a:ext uri="{837473B0-CC2E-450A-ABE3-18F120FF3D39}">
-                  <a1611:picAttrSrcUrl xmlns:a1611="http://schemas.microsoft.com/office/drawing/2016/11/main" r:id="rId10"/>
+                  <a1611:picAttrSrcUrl xmlns:a1611="http://schemas.microsoft.com/office/drawing/2016/11/main" r:id="rId11"/>
                 </a:ext>
               </a:extLst>
             </a:blip>
@@ -8232,10 +8240,10 @@
           <p:nvPr/>
         </p:nvPicPr>
         <p:blipFill>
-          <a:blip r:embed="rId11">
+          <a:blip r:embed="rId12">
             <a:extLst>
               <a:ext uri="{837473B0-CC2E-450A-ABE3-18F120FF3D39}">
-                <a1611:picAttrSrcUrl xmlns:a1611="http://schemas.microsoft.com/office/drawing/2016/11/main" r:id="rId12"/>
+                <a1611:picAttrSrcUrl xmlns:a1611="http://schemas.microsoft.com/office/drawing/2016/11/main" r:id="rId13"/>
               </a:ext>
             </a:extLst>
           </a:blip>
@@ -8332,7 +8340,7 @@
                 <a:latin typeface="Arial" panose="020B0604020202020204" pitchFamily="34" charset="0"/>
                 <a:cs typeface="Arial" panose="020B0604020202020204" pitchFamily="34" charset="0"/>
               </a:rPr>
-              <a:t>Setting the load as 50N, the </a:t>
+              <a:t>Setting the load as 160N, the </a:t>
             </a:r>
             <a:r>
               <a:rPr lang="en-US" sz="2400" i="1" dirty="0">
@@ -8346,7 +8354,7 @@
                 <a:latin typeface="Arial" panose="020B0604020202020204" pitchFamily="34" charset="0"/>
                 <a:cs typeface="Arial" panose="020B0604020202020204" pitchFamily="34" charset="0"/>
               </a:rPr>
-              <a:t> in Figure 2 displays injury risk over 26 repetitions. It indicates an accumulation of risk and increasing danger with more repetitions, contrasting with the </a:t>
+              <a:t> in Figure 2 displays injury risk over 10 repetitions. It indicates an accumulation of risk and increasing danger with more repetitions, contrasting with the </a:t>
             </a:r>
             <a:r>
               <a:rPr lang="en-US" sz="2400" i="1" dirty="0">
@@ -8406,7 +8414,7 @@
                 <a:latin typeface="Arial" panose="020B0604020202020204" pitchFamily="34" charset="0"/>
                 <a:cs typeface="Arial" panose="020B0604020202020204" pitchFamily="34" charset="0"/>
               </a:rPr>
-              <a:t>By adjusting the load’s weight to 250N, we obtain the result as shown in Figure 4, apparently the risk is much higher than Figure 2 over the same repetition. </a:t>
+              <a:t>By adjusting the load’s weight to 230N, we obtain the result as shown in Figure 4, apparently the risk is much higher than Figure 2 over the same number of repetitions. </a:t>
             </a:r>
           </a:p>
         </p:txBody>
@@ -8574,7 +8582,7 @@
           <p:nvPr/>
         </p:nvPicPr>
         <p:blipFill>
-          <a:blip r:embed="rId13">
+          <a:blip r:embed="rId14">
             <a:extLst>
               <a:ext uri="{28A0092B-C50C-407E-A947-70E740481C1C}">
                 <a14:useLocalDpi xmlns:a14="http://schemas.microsoft.com/office/drawing/2010/main" val="0"/>
@@ -8839,7 +8847,7 @@
           <p:nvPr/>
         </p:nvPicPr>
         <p:blipFill>
-          <a:blip r:embed="rId14">
+          <a:blip r:embed="rId15">
             <a:extLst>
               <a:ext uri="{28A0092B-C50C-407E-A947-70E740481C1C}">
                 <a14:useLocalDpi xmlns:a14="http://schemas.microsoft.com/office/drawing/2010/main" val="0"/>
@@ -8997,7 +9005,7 @@
                 <a:ea typeface="DengXian" panose="02010600030101010101" pitchFamily="2" charset="-122"/>
                 <a:cs typeface="Arial" panose="020B0604020202020204" pitchFamily="34" charset="0"/>
               </a:rPr>
-              <a:t>Figure 2. Risk % at the load of 50N</a:t>
+              <a:t>Figure 2. Risk % at the load of 160N</a:t>
             </a:r>
             <a:endParaRPr lang="en-US" sz="2000" dirty="0">
               <a:effectLst/>
@@ -9008,320 +9016,132 @@
           </a:p>
         </p:txBody>
       </p:sp>
-      <p:pic>
-        <p:nvPicPr>
-          <p:cNvPr id="78" name="Picture 77">
-            <a:extLst>
-              <a:ext uri="{FF2B5EF4-FFF2-40B4-BE49-F238E27FC236}">
-                <a16:creationId xmlns:a16="http://schemas.microsoft.com/office/drawing/2014/main" id="{705139EF-27DA-709C-E38C-CB0396305CE6}"/>
-              </a:ext>
-            </a:extLst>
-          </p:cNvPr>
-          <p:cNvPicPr>
-            <a:picLocks noChangeAspect="1"/>
-          </p:cNvPicPr>
+      <p:sp>
+        <p:nvSpPr>
+          <p:cNvPr id="72" name="Text Box 36">
+            <a:extLst>
+              <a:ext uri="{FF2B5EF4-FFF2-40B4-BE49-F238E27FC236}">
+                <a16:creationId xmlns:a16="http://schemas.microsoft.com/office/drawing/2014/main" id="{AA95E5C9-3711-E4F5-E13D-033E87F04AEF}"/>
+              </a:ext>
+            </a:extLst>
+          </p:cNvPr>
+          <p:cNvSpPr txBox="1"/>
           <p:nvPr/>
-        </p:nvPicPr>
-        <p:blipFill rotWithShape="1">
-          <a:blip r:embed="rId2"/>
-          <a:srcRect l="54609" t="6374"/>
-          <a:stretch/>
-        </p:blipFill>
+        </p:nvSpPr>
         <p:spPr>
           <a:xfrm>
-            <a:off x="16454040" y="12528001"/>
-            <a:ext cx="4868134" cy="3476082"/>
+            <a:off x="11096115" y="19395261"/>
+            <a:ext cx="5252769" cy="781744"/>
           </a:xfrm>
           <a:prstGeom prst="rect">
             <a:avLst/>
           </a:prstGeom>
+          <a:noFill/>
+          <a:ln w="6350">
+            <a:noFill/>
+          </a:ln>
         </p:spPr>
-      </p:pic>
-      <p:grpSp>
-        <p:nvGrpSpPr>
-          <p:cNvPr id="81" name="Group 80">
-            <a:extLst>
-              <a:ext uri="{FF2B5EF4-FFF2-40B4-BE49-F238E27FC236}">
-                <a16:creationId xmlns:a16="http://schemas.microsoft.com/office/drawing/2014/main" id="{C01E15D9-683B-8ABF-A9EA-EB47A48A9FB3}"/>
-              </a:ext>
-            </a:extLst>
-          </p:cNvPr>
-          <p:cNvGrpSpPr/>
-          <p:nvPr/>
-        </p:nvGrpSpPr>
-        <p:grpSpPr>
-          <a:xfrm>
-            <a:off x="10830931" y="16652155"/>
-            <a:ext cx="5517953" cy="3524850"/>
-            <a:chOff x="10830931" y="16652155"/>
-            <a:chExt cx="5517953" cy="3524850"/>
-          </a:xfrm>
-        </p:grpSpPr>
-        <p:sp>
-          <p:nvSpPr>
-            <p:cNvPr id="72" name="Text Box 36">
-              <a:extLst>
-                <a:ext uri="{FF2B5EF4-FFF2-40B4-BE49-F238E27FC236}">
-                  <a16:creationId xmlns:a16="http://schemas.microsoft.com/office/drawing/2014/main" id="{AA95E5C9-3711-E4F5-E13D-033E87F04AEF}"/>
-                </a:ext>
-              </a:extLst>
-            </p:cNvPr>
-            <p:cNvSpPr txBox="1"/>
-            <p:nvPr/>
-          </p:nvSpPr>
-          <p:spPr>
-            <a:xfrm>
-              <a:off x="11096115" y="19395261"/>
-              <a:ext cx="5252769" cy="781744"/>
-            </a:xfrm>
-            <a:prstGeom prst="rect">
+        <p:txBody>
+          <a:bodyPr rot="0" spcFirstLastPara="0" vert="horz" wrap="square" lIns="91440" tIns="45720" rIns="91440" bIns="45720" numCol="1" spcCol="0" rtlCol="0" fromWordArt="0" anchor="t" anchorCtr="0" forceAA="0" compatLnSpc="1">
+            <a:prstTxWarp prst="textNoShape">
               <a:avLst/>
-            </a:prstGeom>
-            <a:noFill/>
-            <a:ln w="6350">
-              <a:noFill/>
-            </a:ln>
-          </p:spPr>
-          <p:txBody>
-            <a:bodyPr rot="0" spcFirstLastPara="0" vert="horz" wrap="square" lIns="91440" tIns="45720" rIns="91440" bIns="45720" numCol="1" spcCol="0" rtlCol="0" fromWordArt="0" anchor="t" anchorCtr="0" forceAA="0" compatLnSpc="1">
-              <a:prstTxWarp prst="textNoShape">
-                <a:avLst/>
-              </a:prstTxWarp>
-              <a:noAutofit/>
-            </a:bodyPr>
-            <a:lstStyle/>
-            <a:p>
-              <a:pPr>
-                <a:lnSpc>
-                  <a:spcPct val="107000"/>
-                </a:lnSpc>
-                <a:spcAft>
-                  <a:spcPts val="800"/>
-                </a:spcAft>
-              </a:pPr>
-              <a:r>
-                <a:rPr lang="en-MY" sz="2000" dirty="0">
-                  <a:latin typeface="Arial" panose="020B0604020202020204" pitchFamily="34" charset="0"/>
-                  <a:ea typeface="DengXian" panose="02010600030101010101" pitchFamily="2" charset="-122"/>
-                  <a:cs typeface="Arial" panose="020B0604020202020204" pitchFamily="34" charset="0"/>
-                </a:rPr>
-                <a:t>Figure 3. Visualization of 3D reconstruction</a:t>
-              </a:r>
-              <a:br>
-                <a:rPr lang="en-MY" sz="2000" dirty="0">
-                  <a:latin typeface="Arial" panose="020B0604020202020204" pitchFamily="34" charset="0"/>
-                  <a:ea typeface="DengXian" panose="02010600030101010101" pitchFamily="2" charset="-122"/>
-                  <a:cs typeface="Arial" panose="020B0604020202020204" pitchFamily="34" charset="0"/>
-                </a:rPr>
-              </a:br>
-              <a:r>
-                <a:rPr lang="en-MY" sz="2000" dirty="0">
-                  <a:latin typeface="Arial" panose="020B0604020202020204" pitchFamily="34" charset="0"/>
-                  <a:ea typeface="DengXian" panose="02010600030101010101" pitchFamily="2" charset="-122"/>
-                  <a:cs typeface="Arial" panose="020B0604020202020204" pitchFamily="34" charset="0"/>
-                </a:rPr>
-                <a:t>               at the load of 250N</a:t>
-              </a:r>
-              <a:endParaRPr lang="en-US" sz="2000" dirty="0">
-                <a:effectLst/>
+            </a:prstTxWarp>
+            <a:noAutofit/>
+          </a:bodyPr>
+          <a:lstStyle/>
+          <a:p>
+            <a:pPr>
+              <a:lnSpc>
+                <a:spcPct val="107000"/>
+              </a:lnSpc>
+              <a:spcAft>
+                <a:spcPts val="800"/>
+              </a:spcAft>
+            </a:pPr>
+            <a:r>
+              <a:rPr lang="en-MY" sz="2000" dirty="0">
                 <a:latin typeface="Arial" panose="020B0604020202020204" pitchFamily="34" charset="0"/>
                 <a:ea typeface="DengXian" panose="02010600030101010101" pitchFamily="2" charset="-122"/>
                 <a:cs typeface="Arial" panose="020B0604020202020204" pitchFamily="34" charset="0"/>
-              </a:endParaRPr>
-            </a:p>
-          </p:txBody>
-        </p:sp>
-        <p:pic>
-          <p:nvPicPr>
-            <p:cNvPr id="79" name="Picture 78">
-              <a:extLst>
-                <a:ext uri="{FF2B5EF4-FFF2-40B4-BE49-F238E27FC236}">
-                  <a16:creationId xmlns:a16="http://schemas.microsoft.com/office/drawing/2014/main" id="{979C071A-DF40-82EB-3D35-BAB7A490ED9F}"/>
-                </a:ext>
-              </a:extLst>
-            </p:cNvPr>
-            <p:cNvPicPr>
-              <a:picLocks noChangeAspect="1"/>
-            </p:cNvPicPr>
-            <p:nvPr/>
-          </p:nvPicPr>
-          <p:blipFill rotWithShape="1">
-            <a:blip r:embed="rId15"/>
-            <a:srcRect r="49774" b="24855"/>
-            <a:stretch/>
-          </p:blipFill>
-          <p:spPr>
-            <a:xfrm>
-              <a:off x="10873420" y="16652155"/>
-              <a:ext cx="5453738" cy="2816766"/>
-            </a:xfrm>
-            <a:prstGeom prst="rect">
-              <a:avLst/>
-            </a:prstGeom>
-          </p:spPr>
-        </p:pic>
-        <p:sp>
-          <p:nvSpPr>
-            <p:cNvPr id="80" name="Oval 79">
-              <a:extLst>
-                <a:ext uri="{FF2B5EF4-FFF2-40B4-BE49-F238E27FC236}">
-                  <a16:creationId xmlns:a16="http://schemas.microsoft.com/office/drawing/2014/main" id="{F2D0C768-F29E-AF25-4839-50C673122F16}"/>
-                </a:ext>
-              </a:extLst>
-            </p:cNvPr>
-            <p:cNvSpPr/>
-            <p:nvPr/>
-          </p:nvSpPr>
-          <p:spPr>
-            <a:xfrm>
-              <a:off x="10830931" y="17172338"/>
-              <a:ext cx="2282830" cy="268081"/>
-            </a:xfrm>
-            <a:prstGeom prst="ellipse">
-              <a:avLst/>
-            </a:prstGeom>
-            <a:noFill/>
-            <a:ln>
-              <a:solidFill>
-                <a:srgbClr val="FF0000"/>
-              </a:solidFill>
-            </a:ln>
-          </p:spPr>
-          <p:style>
-            <a:lnRef idx="2">
-              <a:schemeClr val="accent1">
-                <a:shade val="50000"/>
-              </a:schemeClr>
-            </a:lnRef>
-            <a:fillRef idx="1">
-              <a:schemeClr val="accent1"/>
-            </a:fillRef>
-            <a:effectRef idx="0">
-              <a:schemeClr val="accent1"/>
-            </a:effectRef>
-            <a:fontRef idx="minor">
-              <a:schemeClr val="lt1"/>
-            </a:fontRef>
-          </p:style>
-          <p:txBody>
-            <a:bodyPr rtlCol="0" anchor="ctr"/>
-            <a:lstStyle/>
-            <a:p>
-              <a:pPr algn="ctr"/>
-              <a:endParaRPr lang="en-US"/>
-            </a:p>
-          </p:txBody>
-        </p:sp>
-      </p:grpSp>
-      <p:grpSp>
-        <p:nvGrpSpPr>
-          <p:cNvPr id="85" name="Group 84">
-            <a:extLst>
-              <a:ext uri="{FF2B5EF4-FFF2-40B4-BE49-F238E27FC236}">
-                <a16:creationId xmlns:a16="http://schemas.microsoft.com/office/drawing/2014/main" id="{F8940EC7-7BCC-D372-EE23-6A35D9AE2193}"/>
-              </a:ext>
-            </a:extLst>
-          </p:cNvPr>
-          <p:cNvGrpSpPr/>
-          <p:nvPr/>
-        </p:nvGrpSpPr>
-        <p:grpSpPr>
-          <a:xfrm>
-            <a:off x="16446107" y="16778884"/>
-            <a:ext cx="4876067" cy="3905719"/>
-            <a:chOff x="16446107" y="16778884"/>
-            <a:chExt cx="4876067" cy="3905719"/>
-          </a:xfrm>
-        </p:grpSpPr>
-        <p:sp>
-          <p:nvSpPr>
-            <p:cNvPr id="3156" name="Text Box 36">
-              <a:extLst>
-                <a:ext uri="{FF2B5EF4-FFF2-40B4-BE49-F238E27FC236}">
-                  <a16:creationId xmlns:a16="http://schemas.microsoft.com/office/drawing/2014/main" id="{90953BE7-C72B-8398-FE22-C40CF2C36A61}"/>
-                </a:ext>
-              </a:extLst>
-            </p:cNvPr>
-            <p:cNvSpPr txBox="1"/>
-            <p:nvPr/>
-          </p:nvSpPr>
-          <p:spPr>
-            <a:xfrm>
-              <a:off x="16678397" y="20226308"/>
-              <a:ext cx="4329346" cy="458295"/>
-            </a:xfrm>
-            <a:prstGeom prst="rect">
-              <a:avLst/>
-            </a:prstGeom>
-            <a:noFill/>
-            <a:ln w="6350">
-              <a:noFill/>
-            </a:ln>
-          </p:spPr>
-          <p:txBody>
-            <a:bodyPr rot="0" spcFirstLastPara="0" vert="horz" wrap="square" lIns="91440" tIns="45720" rIns="91440" bIns="45720" numCol="1" spcCol="0" rtlCol="0" fromWordArt="0" anchor="t" anchorCtr="0" forceAA="0" compatLnSpc="1">
-              <a:prstTxWarp prst="textNoShape">
-                <a:avLst/>
-              </a:prstTxWarp>
-              <a:noAutofit/>
-            </a:bodyPr>
-            <a:lstStyle/>
-            <a:p>
-              <a:pPr>
-                <a:lnSpc>
-                  <a:spcPct val="107000"/>
-                </a:lnSpc>
-                <a:spcAft>
-                  <a:spcPts val="800"/>
-                </a:spcAft>
-              </a:pPr>
-              <a:r>
-                <a:rPr lang="en-MY" sz="2000" dirty="0">
-                  <a:latin typeface="Arial" panose="020B0604020202020204" pitchFamily="34" charset="0"/>
-                  <a:ea typeface="DengXian" panose="02010600030101010101" pitchFamily="2" charset="-122"/>
-                  <a:cs typeface="Arial" panose="020B0604020202020204" pitchFamily="34" charset="0"/>
-                </a:rPr>
-                <a:t>Figure 4. Risk % at the load of 250N</a:t>
-              </a:r>
-              <a:endParaRPr lang="en-US" sz="2000" dirty="0">
-                <a:effectLst/>
+              </a:rPr>
+              <a:t>Figure 3. Visualization of 3D reconstruction</a:t>
+            </a:r>
+            <a:br>
+              <a:rPr lang="en-MY" sz="2000" dirty="0">
                 <a:latin typeface="Arial" panose="020B0604020202020204" pitchFamily="34" charset="0"/>
                 <a:ea typeface="DengXian" panose="02010600030101010101" pitchFamily="2" charset="-122"/>
                 <a:cs typeface="Arial" panose="020B0604020202020204" pitchFamily="34" charset="0"/>
-              </a:endParaRPr>
-            </a:p>
-          </p:txBody>
-        </p:sp>
-        <p:pic>
-          <p:nvPicPr>
-            <p:cNvPr id="83" name="Picture 82">
-              <a:extLst>
-                <a:ext uri="{FF2B5EF4-FFF2-40B4-BE49-F238E27FC236}">
-                  <a16:creationId xmlns:a16="http://schemas.microsoft.com/office/drawing/2014/main" id="{B4A55F2C-03FE-B090-E5E7-4FC23455A876}"/>
-                </a:ext>
-              </a:extLst>
-            </p:cNvPr>
-            <p:cNvPicPr>
-              <a:picLocks noChangeAspect="1"/>
-            </p:cNvPicPr>
-            <p:nvPr/>
-          </p:nvPicPr>
-          <p:blipFill rotWithShape="1">
-            <a:blip r:embed="rId15"/>
-            <a:srcRect l="54641" t="6395"/>
-            <a:stretch/>
-          </p:blipFill>
-          <p:spPr>
-            <a:xfrm>
-              <a:off x="16446107" y="16778884"/>
-              <a:ext cx="4876067" cy="3473671"/>
-            </a:xfrm>
-            <a:prstGeom prst="rect">
-              <a:avLst/>
-            </a:prstGeom>
-          </p:spPr>
-        </p:pic>
-      </p:grpSp>
+              </a:rPr>
+            </a:br>
+            <a:r>
+              <a:rPr lang="en-MY" sz="2000" dirty="0">
+                <a:latin typeface="Arial" panose="020B0604020202020204" pitchFamily="34" charset="0"/>
+                <a:ea typeface="DengXian" panose="02010600030101010101" pitchFamily="2" charset="-122"/>
+                <a:cs typeface="Arial" panose="020B0604020202020204" pitchFamily="34" charset="0"/>
+              </a:rPr>
+              <a:t>               at the load of 230N</a:t>
+            </a:r>
+            <a:endParaRPr lang="en-US" sz="2000" dirty="0">
+              <a:effectLst/>
+              <a:latin typeface="Arial" panose="020B0604020202020204" pitchFamily="34" charset="0"/>
+              <a:ea typeface="DengXian" panose="02010600030101010101" pitchFamily="2" charset="-122"/>
+              <a:cs typeface="Arial" panose="020B0604020202020204" pitchFamily="34" charset="0"/>
+            </a:endParaRPr>
+          </a:p>
+        </p:txBody>
+      </p:sp>
+      <p:sp>
+        <p:nvSpPr>
+          <p:cNvPr id="80" name="Oval 79">
+            <a:extLst>
+              <a:ext uri="{FF2B5EF4-FFF2-40B4-BE49-F238E27FC236}">
+                <a16:creationId xmlns:a16="http://schemas.microsoft.com/office/drawing/2014/main" id="{F2D0C768-F29E-AF25-4839-50C673122F16}"/>
+              </a:ext>
+            </a:extLst>
+          </p:cNvPr>
+          <p:cNvSpPr/>
+          <p:nvPr/>
+        </p:nvSpPr>
+        <p:spPr>
+          <a:xfrm>
+            <a:off x="10693400" y="17104154"/>
+            <a:ext cx="2282830" cy="268081"/>
+          </a:xfrm>
+          <a:prstGeom prst="ellipse">
+            <a:avLst/>
+          </a:prstGeom>
+          <a:noFill/>
+          <a:ln>
+            <a:solidFill>
+              <a:srgbClr val="FF0000"/>
+            </a:solidFill>
+          </a:ln>
+        </p:spPr>
+        <p:style>
+          <a:lnRef idx="2">
+            <a:schemeClr val="accent1">
+              <a:shade val="50000"/>
+            </a:schemeClr>
+          </a:lnRef>
+          <a:fillRef idx="1">
+            <a:schemeClr val="accent1"/>
+          </a:fillRef>
+          <a:effectRef idx="0">
+            <a:schemeClr val="accent1"/>
+          </a:effectRef>
+          <a:fontRef idx="minor">
+            <a:schemeClr val="lt1"/>
+          </a:fontRef>
+        </p:style>
+        <p:txBody>
+          <a:bodyPr rtlCol="0" anchor="ctr"/>
+          <a:lstStyle/>
+          <a:p>
+            <a:pPr algn="ctr"/>
+            <a:endParaRPr lang="en-US"/>
+          </a:p>
+        </p:txBody>
+      </p:sp>
       <p:grpSp>
         <p:nvGrpSpPr>
           <p:cNvPr id="3138" name="Group 3137">
@@ -9463,6 +9283,123 @@
           </p:spPr>
         </p:pic>
       </p:grpSp>
+      <p:sp>
+        <p:nvSpPr>
+          <p:cNvPr id="31" name="Text Box 36">
+            <a:extLst>
+              <a:ext uri="{FF2B5EF4-FFF2-40B4-BE49-F238E27FC236}">
+                <a16:creationId xmlns:a16="http://schemas.microsoft.com/office/drawing/2014/main" id="{770E528B-E385-9F77-0A65-835955F25CC1}"/>
+              </a:ext>
+            </a:extLst>
+          </p:cNvPr>
+          <p:cNvSpPr txBox="1"/>
+          <p:nvPr/>
+        </p:nvSpPr>
+        <p:spPr>
+          <a:xfrm>
+            <a:off x="16553164" y="20047062"/>
+            <a:ext cx="4436919" cy="430829"/>
+          </a:xfrm>
+          <a:prstGeom prst="rect">
+            <a:avLst/>
+          </a:prstGeom>
+          <a:noFill/>
+          <a:ln w="6350">
+            <a:noFill/>
+          </a:ln>
+        </p:spPr>
+        <p:txBody>
+          <a:bodyPr rot="0" spcFirstLastPara="0" vert="horz" wrap="square" lIns="91440" tIns="45720" rIns="91440" bIns="45720" numCol="1" spcCol="0" rtlCol="0" fromWordArt="0" anchor="t" anchorCtr="0" forceAA="0" compatLnSpc="1">
+            <a:prstTxWarp prst="textNoShape">
+              <a:avLst/>
+            </a:prstTxWarp>
+            <a:noAutofit/>
+          </a:bodyPr>
+          <a:lstStyle/>
+          <a:p>
+            <a:pPr>
+              <a:lnSpc>
+                <a:spcPct val="107000"/>
+              </a:lnSpc>
+              <a:spcAft>
+                <a:spcPts val="800"/>
+              </a:spcAft>
+            </a:pPr>
+            <a:r>
+              <a:rPr lang="en-MY" sz="2000" dirty="0">
+                <a:latin typeface="Arial" panose="020B0604020202020204" pitchFamily="34" charset="0"/>
+                <a:ea typeface="DengXian" panose="02010600030101010101" pitchFamily="2" charset="-122"/>
+                <a:cs typeface="Arial" panose="020B0604020202020204" pitchFamily="34" charset="0"/>
+              </a:rPr>
+              <a:t>Figure 4. Risk % at the load of 230N</a:t>
+            </a:r>
+            <a:endParaRPr lang="en-US" sz="2000" dirty="0">
+              <a:effectLst/>
+              <a:latin typeface="Arial" panose="020B0604020202020204" pitchFamily="34" charset="0"/>
+              <a:ea typeface="DengXian" panose="02010600030101010101" pitchFamily="2" charset="-122"/>
+              <a:cs typeface="Arial" panose="020B0604020202020204" pitchFamily="34" charset="0"/>
+            </a:endParaRPr>
+          </a:p>
+        </p:txBody>
+      </p:sp>
+      <p:pic>
+        <p:nvPicPr>
+          <p:cNvPr id="34" name="Picture 33">
+            <a:extLst>
+              <a:ext uri="{FF2B5EF4-FFF2-40B4-BE49-F238E27FC236}">
+                <a16:creationId xmlns:a16="http://schemas.microsoft.com/office/drawing/2014/main" id="{FE09FCF5-DDD9-2040-9293-1397A3067163}"/>
+              </a:ext>
+            </a:extLst>
+          </p:cNvPr>
+          <p:cNvPicPr>
+            <a:picLocks noChangeAspect="1"/>
+          </p:cNvPicPr>
+          <p:nvPr/>
+        </p:nvPicPr>
+        <p:blipFill rotWithShape="1">
+          <a:blip r:embed="rId3"/>
+          <a:srcRect t="6220" r="49718"/>
+          <a:stretch/>
+        </p:blipFill>
+        <p:spPr>
+          <a:xfrm>
+            <a:off x="16336705" y="12399559"/>
+            <a:ext cx="4842132" cy="3492227"/>
+          </a:xfrm>
+          <a:prstGeom prst="rect">
+            <a:avLst/>
+          </a:prstGeom>
+        </p:spPr>
+      </p:pic>
+      <p:pic>
+        <p:nvPicPr>
+          <p:cNvPr id="40" name="Picture 39">
+            <a:extLst>
+              <a:ext uri="{FF2B5EF4-FFF2-40B4-BE49-F238E27FC236}">
+                <a16:creationId xmlns:a16="http://schemas.microsoft.com/office/drawing/2014/main" id="{E91FB758-4556-8CF4-F90E-C904F28E919A}"/>
+              </a:ext>
+            </a:extLst>
+          </p:cNvPr>
+          <p:cNvPicPr>
+            <a:picLocks noChangeAspect="1"/>
+          </p:cNvPicPr>
+          <p:nvPr/>
+        </p:nvPicPr>
+        <p:blipFill rotWithShape="1">
+          <a:blip r:embed="rId2"/>
+          <a:srcRect l="49829" t="6524"/>
+          <a:stretch/>
+        </p:blipFill>
+        <p:spPr>
+          <a:xfrm>
+            <a:off x="16382990" y="16523791"/>
+            <a:ext cx="4796094" cy="3414818"/>
+          </a:xfrm>
+          <a:prstGeom prst="rect">
+            <a:avLst/>
+          </a:prstGeom>
+        </p:spPr>
+      </p:pic>
     </p:spTree>
     <p:extLst>
       <p:ext uri="{BB962C8B-B14F-4D97-AF65-F5344CB8AC3E}">
@@ -9762,24 +9699,6 @@
 </file>
 
 <file path=customXml/item1.xml><?xml version="1.0" encoding="utf-8"?>
-<p:properties xmlns:p="http://schemas.microsoft.com/office/2006/metadata/properties" xmlns:xsi="http://www.w3.org/2001/XMLSchema-instance" xmlns:pc="http://schemas.microsoft.com/office/infopath/2007/PartnerControls">
-  <documentManagement>
-    <PublishingExpirationDate xmlns="http://schemas.microsoft.com/sharepoint/v3" xsi:nil="true"/>
-    <PublishingStartDate xmlns="http://schemas.microsoft.com/sharepoint/v3" xsi:nil="true"/>
-  </documentManagement>
-</p:properties>
-</file>
-
-<file path=customXml/item2.xml><?xml version="1.0" encoding="utf-8"?>
-<?mso-contentType ?>
-<FormTemplates xmlns="http://schemas.microsoft.com/sharepoint/v3/contenttype/forms">
-  <Display>DocumentLibraryForm</Display>
-  <Edit>DocumentLibraryForm</Edit>
-  <New>DocumentLibraryForm</New>
-</FormTemplates>
-</file>
-
-<file path=customXml/item3.xml><?xml version="1.0" encoding="utf-8"?>
 <ct:contentTypeSchema xmlns:ct="http://schemas.microsoft.com/office/2006/metadata/contentType" xmlns:ma="http://schemas.microsoft.com/office/2006/metadata/properties/metaAttributes" ct:_="" ma:_="" ma:contentTypeName="Document" ma:contentTypeID="0x010100F7D68A5915C9D1409899F494F0ED9BDD" ma:contentTypeVersion="1" ma:contentTypeDescription="Create a new document." ma:contentTypeScope="" ma:versionID="67282701de1d7ae3857b79de6ddb7046">
   <xsd:schema xmlns:xsd="http://www.w3.org/2001/XMLSchema" xmlns:xs="http://www.w3.org/2001/XMLSchema" xmlns:p="http://schemas.microsoft.com/office/2006/metadata/properties" xmlns:ns1="http://schemas.microsoft.com/sharepoint/v3" targetNamespace="http://schemas.microsoft.com/office/2006/metadata/properties" ma:root="true" ma:fieldsID="a447206dab0015f8b9f8924535193e8c" ns1:_="">
     <xsd:import namespace="http://schemas.microsoft.com/sharepoint/v3"/>
@@ -9911,31 +9830,25 @@
 </ct:contentTypeSchema>
 </file>
 
-<file path=customXml/itemProps1.xml><?xml version="1.0" encoding="utf-8"?>
-<ds:datastoreItem xmlns:ds="http://schemas.openxmlformats.org/officeDocument/2006/customXml" ds:itemID="{E189E708-B13C-4F36-BA33-81092694155D}">
-  <ds:schemaRefs>
-    <ds:schemaRef ds:uri="http://purl.org/dc/terms/"/>
-    <ds:schemaRef ds:uri="http://www.w3.org/XML/1998/namespace"/>
-    <ds:schemaRef ds:uri="http://schemas.microsoft.com/office/2006/documentManagement/types"/>
-    <ds:schemaRef ds:uri="http://schemas.microsoft.com/sharepoint/v3"/>
-    <ds:schemaRef ds:uri="http://schemas.microsoft.com/office/2006/metadata/properties"/>
-    <ds:schemaRef ds:uri="http://purl.org/dc/dcmitype/"/>
-    <ds:schemaRef ds:uri="http://purl.org/dc/elements/1.1/"/>
-    <ds:schemaRef ds:uri="http://schemas.microsoft.com/office/infopath/2007/PartnerControls"/>
-    <ds:schemaRef ds:uri="http://schemas.openxmlformats.org/package/2006/metadata/core-properties"/>
-  </ds:schemaRefs>
-</ds:datastoreItem>
+<file path=customXml/item2.xml><?xml version="1.0" encoding="utf-8"?>
+<?mso-contentType ?>
+<FormTemplates xmlns="http://schemas.microsoft.com/sharepoint/v3/contenttype/forms">
+  <Display>DocumentLibraryForm</Display>
+  <Edit>DocumentLibraryForm</Edit>
+  <New>DocumentLibraryForm</New>
+</FormTemplates>
 </file>
 
-<file path=customXml/itemProps2.xml><?xml version="1.0" encoding="utf-8"?>
-<ds:datastoreItem xmlns:ds="http://schemas.openxmlformats.org/officeDocument/2006/customXml" ds:itemID="{6EFD8C4A-05AF-47FA-8977-00F7A977B6F5}">
-  <ds:schemaRefs>
-    <ds:schemaRef ds:uri="http://schemas.microsoft.com/sharepoint/v3/contenttype/forms"/>
-  </ds:schemaRefs>
-</ds:datastoreItem>
+<file path=customXml/item3.xml><?xml version="1.0" encoding="utf-8"?>
+<p:properties xmlns:p="http://schemas.microsoft.com/office/2006/metadata/properties" xmlns:xsi="http://www.w3.org/2001/XMLSchema-instance" xmlns:pc="http://schemas.microsoft.com/office/infopath/2007/PartnerControls">
+  <documentManagement>
+    <PublishingExpirationDate xmlns="http://schemas.microsoft.com/sharepoint/v3" xsi:nil="true"/>
+    <PublishingStartDate xmlns="http://schemas.microsoft.com/sharepoint/v3" xsi:nil="true"/>
+  </documentManagement>
+</p:properties>
 </file>
 
-<file path=customXml/itemProps3.xml><?xml version="1.0" encoding="utf-8"?>
+<file path=customXml/itemProps1.xml><?xml version="1.0" encoding="utf-8"?>
 <ds:datastoreItem xmlns:ds="http://schemas.openxmlformats.org/officeDocument/2006/customXml" ds:itemID="{8F3D7827-6582-44E5-B80C-61E961F7F0D9}">
   <ds:schemaRefs>
     <ds:schemaRef ds:uri="http://schemas.microsoft.com/office/2006/metadata/contentType"/>
@@ -9951,4 +9864,28 @@
     <ds:schemaRef ds:uri="http://schemas.microsoft.com/internal/obd"/>
   </ds:schemaRefs>
 </ds:datastoreItem>
+</file>
+
+<file path=customXml/itemProps2.xml><?xml version="1.0" encoding="utf-8"?>
+<ds:datastoreItem xmlns:ds="http://schemas.openxmlformats.org/officeDocument/2006/customXml" ds:itemID="{6EFD8C4A-05AF-47FA-8977-00F7A977B6F5}">
+  <ds:schemaRefs>
+    <ds:schemaRef ds:uri="http://schemas.microsoft.com/sharepoint/v3/contenttype/forms"/>
+  </ds:schemaRefs>
+</ds:datastoreItem>
+</file>
+
+<file path=customXml/itemProps3.xml><?xml version="1.0" encoding="utf-8"?>
+<ds:datastoreItem xmlns:ds="http://schemas.openxmlformats.org/officeDocument/2006/customXml" ds:itemID="{E189E708-B13C-4F36-BA33-81092694155D}">
+  <ds:schemaRefs>
+    <ds:schemaRef ds:uri="http://purl.org/dc/terms/"/>
+    <ds:schemaRef ds:uri="http://www.w3.org/XML/1998/namespace"/>
+    <ds:schemaRef ds:uri="http://schemas.microsoft.com/office/2006/documentManagement/types"/>
+    <ds:schemaRef ds:uri="http://schemas.microsoft.com/sharepoint/v3"/>
+    <ds:schemaRef ds:uri="http://schemas.microsoft.com/office/2006/metadata/properties"/>
+    <ds:schemaRef ds:uri="http://purl.org/dc/dcmitype/"/>
+    <ds:schemaRef ds:uri="http://purl.org/dc/elements/1.1/"/>
+    <ds:schemaRef ds:uri="http://schemas.microsoft.com/office/infopath/2007/PartnerControls"/>
+    <ds:schemaRef ds:uri="http://schemas.openxmlformats.org/package/2006/metadata/core-properties"/>
+  </ds:schemaRefs>
+</ds:datastoreItem>
 </file>